--- a/Cours/BUT3-Cours1.pptx
+++ b/Cours/BUT3-Cours1.pptx
@@ -395,6 +395,30 @@
     </pc:docChg>
   </pc:docChgLst>
   <pc:docChgLst>
+    <pc:chgData name="Benjamin Robert" userId="bdf697ffd98a8826" providerId="LiveId" clId="{93859C62-E639-4C88-8106-87322F7E3B94}"/>
+    <pc:docChg chg="modSld">
+      <pc:chgData name="Benjamin Robert" userId="bdf697ffd98a8826" providerId="LiveId" clId="{93859C62-E639-4C88-8106-87322F7E3B94}" dt="2024-11-01T16:17:00.516" v="3" actId="20577"/>
+      <pc:docMkLst>
+        <pc:docMk/>
+      </pc:docMkLst>
+      <pc:sldChg chg="modSp mod">
+        <pc:chgData name="Benjamin Robert" userId="bdf697ffd98a8826" providerId="LiveId" clId="{93859C62-E639-4C88-8106-87322F7E3B94}" dt="2024-11-01T16:17:00.516" v="3" actId="20577"/>
+        <pc:sldMkLst>
+          <pc:docMk/>
+          <pc:sldMk cId="3992679617" sldId="256"/>
+        </pc:sldMkLst>
+        <pc:spChg chg="mod">
+          <ac:chgData name="Benjamin Robert" userId="bdf697ffd98a8826" providerId="LiveId" clId="{93859C62-E639-4C88-8106-87322F7E3B94}" dt="2024-11-01T16:17:00.516" v="3" actId="20577"/>
+          <ac:spMkLst>
+            <pc:docMk/>
+            <pc:sldMk cId="3992679617" sldId="256"/>
+            <ac:spMk id="8" creationId="{70EC97A9-C9C2-E981-DD31-BC49159387F3}"/>
+          </ac:spMkLst>
+        </pc:spChg>
+      </pc:sldChg>
+    </pc:docChg>
+  </pc:docChgLst>
+  <pc:docChgLst>
     <pc:chgData name="Benjamin Robert" userId="bdf697ffd98a8826" providerId="LiveId" clId="{606CDD9B-9A2D-4C79-85CC-421D0917595E}"/>
     <pc:docChg chg="undo custSel addSld delSld modSld sldOrd">
       <pc:chgData name="Benjamin Robert" userId="bdf697ffd98a8826" providerId="LiveId" clId="{606CDD9B-9A2D-4C79-85CC-421D0917595E}" dt="2023-11-08T17:34:39.365" v="4669" actId="2085"/>
@@ -4737,7 +4761,7 @@
           <a:p>
             <a:fld id="{4DD5D1CE-B36B-4FF6-9705-E147FB9A8993}" type="datetimeFigureOut">
               <a:rPr lang="fr-FR" smtClean="0"/>
-              <a:t>15/11/2023</a:t>
+              <a:t>01/11/2024</a:t>
             </a:fld>
             <a:endParaRPr lang="fr-FR"/>
           </a:p>
@@ -4935,7 +4959,7 @@
           <a:p>
             <a:fld id="{4DD5D1CE-B36B-4FF6-9705-E147FB9A8993}" type="datetimeFigureOut">
               <a:rPr lang="fr-FR" smtClean="0"/>
-              <a:t>15/11/2023</a:t>
+              <a:t>01/11/2024</a:t>
             </a:fld>
             <a:endParaRPr lang="fr-FR"/>
           </a:p>
@@ -5143,7 +5167,7 @@
           <a:p>
             <a:fld id="{4DD5D1CE-B36B-4FF6-9705-E147FB9A8993}" type="datetimeFigureOut">
               <a:rPr lang="fr-FR" smtClean="0"/>
-              <a:t>15/11/2023</a:t>
+              <a:t>01/11/2024</a:t>
             </a:fld>
             <a:endParaRPr lang="fr-FR"/>
           </a:p>
@@ -5341,7 +5365,7 @@
           <a:p>
             <a:fld id="{4DD5D1CE-B36B-4FF6-9705-E147FB9A8993}" type="datetimeFigureOut">
               <a:rPr lang="fr-FR" smtClean="0"/>
-              <a:t>15/11/2023</a:t>
+              <a:t>01/11/2024</a:t>
             </a:fld>
             <a:endParaRPr lang="fr-FR"/>
           </a:p>
@@ -5616,7 +5640,7 @@
           <a:p>
             <a:fld id="{4DD5D1CE-B36B-4FF6-9705-E147FB9A8993}" type="datetimeFigureOut">
               <a:rPr lang="fr-FR" smtClean="0"/>
-              <a:t>15/11/2023</a:t>
+              <a:t>01/11/2024</a:t>
             </a:fld>
             <a:endParaRPr lang="fr-FR"/>
           </a:p>
@@ -5881,7 +5905,7 @@
           <a:p>
             <a:fld id="{4DD5D1CE-B36B-4FF6-9705-E147FB9A8993}" type="datetimeFigureOut">
               <a:rPr lang="fr-FR" smtClean="0"/>
-              <a:t>15/11/2023</a:t>
+              <a:t>01/11/2024</a:t>
             </a:fld>
             <a:endParaRPr lang="fr-FR"/>
           </a:p>
@@ -6293,7 +6317,7 @@
           <a:p>
             <a:fld id="{4DD5D1CE-B36B-4FF6-9705-E147FB9A8993}" type="datetimeFigureOut">
               <a:rPr lang="fr-FR" smtClean="0"/>
-              <a:t>15/11/2023</a:t>
+              <a:t>01/11/2024</a:t>
             </a:fld>
             <a:endParaRPr lang="fr-FR"/>
           </a:p>
@@ -6434,7 +6458,7 @@
           <a:p>
             <a:fld id="{4DD5D1CE-B36B-4FF6-9705-E147FB9A8993}" type="datetimeFigureOut">
               <a:rPr lang="fr-FR" smtClean="0"/>
-              <a:t>15/11/2023</a:t>
+              <a:t>01/11/2024</a:t>
             </a:fld>
             <a:endParaRPr lang="fr-FR"/>
           </a:p>
@@ -6547,7 +6571,7 @@
           <a:p>
             <a:fld id="{4DD5D1CE-B36B-4FF6-9705-E147FB9A8993}" type="datetimeFigureOut">
               <a:rPr lang="fr-FR" smtClean="0"/>
-              <a:t>15/11/2023</a:t>
+              <a:t>01/11/2024</a:t>
             </a:fld>
             <a:endParaRPr lang="fr-FR"/>
           </a:p>
@@ -6858,7 +6882,7 @@
           <a:p>
             <a:fld id="{4DD5D1CE-B36B-4FF6-9705-E147FB9A8993}" type="datetimeFigureOut">
               <a:rPr lang="fr-FR" smtClean="0"/>
-              <a:t>15/11/2023</a:t>
+              <a:t>01/11/2024</a:t>
             </a:fld>
             <a:endParaRPr lang="fr-FR"/>
           </a:p>
@@ -7146,7 +7170,7 @@
           <a:p>
             <a:fld id="{4DD5D1CE-B36B-4FF6-9705-E147FB9A8993}" type="datetimeFigureOut">
               <a:rPr lang="fr-FR" smtClean="0"/>
-              <a:t>15/11/2023</a:t>
+              <a:t>01/11/2024</a:t>
             </a:fld>
             <a:endParaRPr lang="fr-FR"/>
           </a:p>
@@ -7387,7 +7411,7 @@
           <a:p>
             <a:fld id="{4DD5D1CE-B36B-4FF6-9705-E147FB9A8993}" type="datetimeFigureOut">
               <a:rPr lang="fr-FR" smtClean="0"/>
-              <a:t>15/11/2023</a:t>
+              <a:t>01/11/2024</a:t>
             </a:fld>
             <a:endParaRPr lang="fr-FR"/>
           </a:p>
@@ -8001,7 +8025,7 @@
             <a:pPr algn="ctr"/>
             <a:r>
               <a:rPr lang="fr-FR" dirty="0"/>
-              <a:t>09/11/2023</a:t>
+              <a:t>07/11/2024</a:t>
             </a:r>
           </a:p>
         </p:txBody>
